--- a/[20150608][Edu]Android_Thread/20150610.pptx
+++ b/[20150608][Edu]Android_Thread/20150610.pptx
@@ -27,6 +27,7 @@
     <p:sldId id="275" r:id="rId21"/>
     <p:sldId id="276" r:id="rId22"/>
     <p:sldId id="277" r:id="rId23"/>
+    <p:sldId id="278" r:id="rId24"/>
   </p:sldIdLst>
   <p:sldSz cx="12192000" cy="6858000"/>
   <p:notesSz cx="6858000" cy="9144000"/>
@@ -15776,6 +15777,207 @@
     <p:extLst>
       <p:ext uri="{BB962C8B-B14F-4D97-AF65-F5344CB8AC3E}">
         <p14:creationId xmlns:p14="http://schemas.microsoft.com/office/powerpoint/2010/main" val="224316718"/>
+      </p:ext>
+    </p:extLst>
+  </p:cSld>
+  <p:clrMapOvr>
+    <a:masterClrMapping/>
+  </p:clrMapOvr>
+</p:sld>
+</file>
+
+<file path=ppt/slides/slide23.xml><?xml version="1.0" encoding="utf-8"?>
+<p:sld xmlns:a="http://schemas.openxmlformats.org/drawingml/2006/main" xmlns:r="http://schemas.openxmlformats.org/officeDocument/2006/relationships" xmlns:p="http://schemas.openxmlformats.org/presentationml/2006/main">
+  <p:cSld>
+    <p:spTree>
+      <p:nvGrpSpPr>
+        <p:cNvPr id="1" name=""/>
+        <p:cNvGrpSpPr/>
+        <p:nvPr/>
+      </p:nvGrpSpPr>
+      <p:grpSpPr>
+        <a:xfrm>
+          <a:off x="0" y="0"/>
+          <a:ext cx="0" cy="0"/>
+          <a:chOff x="0" y="0"/>
+          <a:chExt cx="0" cy="0"/>
+        </a:xfrm>
+      </p:grpSpPr>
+      <p:sp>
+        <p:nvSpPr>
+          <p:cNvPr id="4" name="TextBox 3"/>
+          <p:cNvSpPr txBox="1"/>
+          <p:nvPr/>
+        </p:nvSpPr>
+        <p:spPr>
+          <a:xfrm>
+            <a:off x="294968" y="285140"/>
+            <a:ext cx="11726287" cy="1631216"/>
+          </a:xfrm>
+          <a:prstGeom prst="rect">
+            <a:avLst/>
+          </a:prstGeom>
+          <a:noFill/>
+        </p:spPr>
+        <p:txBody>
+          <a:bodyPr wrap="none" rtlCol="0">
+            <a:spAutoFit/>
+          </a:bodyPr>
+          <a:lstStyle/>
+          <a:p>
+            <a:r>
+              <a:rPr lang="en-US" altLang="ko-KR" sz="2000" smtClean="0">
+                <a:latin typeface="나눔고딕코딩" panose="020D0009000000000000" pitchFamily="49" charset="-127"/>
+                <a:ea typeface="나눔고딕코딩" panose="020D0009000000000000" pitchFamily="49" charset="-127"/>
+              </a:rPr>
+              <a:t>&lt; </a:t>
+            </a:r>
+            <a:r>
+              <a:rPr lang="ko-KR" altLang="en-US" sz="2000" smtClean="0">
+                <a:latin typeface="나눔고딕코딩" panose="020D0009000000000000" pitchFamily="49" charset="-127"/>
+                <a:ea typeface="나눔고딕코딩" panose="020D0009000000000000" pitchFamily="49" charset="-127"/>
+              </a:rPr>
+              <a:t>스마트 포인터 </a:t>
+            </a:r>
+            <a:r>
+              <a:rPr lang="en-US" altLang="ko-KR" sz="2000" smtClean="0">
+                <a:latin typeface="나눔고딕코딩" panose="020D0009000000000000" pitchFamily="49" charset="-127"/>
+                <a:ea typeface="나눔고딕코딩" panose="020D0009000000000000" pitchFamily="49" charset="-127"/>
+              </a:rPr>
+              <a:t>&gt;</a:t>
+            </a:r>
+          </a:p>
+          <a:p>
+            <a:endParaRPr lang="en-US" altLang="ko-KR" sz="2000">
+              <a:latin typeface="나눔고딕코딩" panose="020D0009000000000000" pitchFamily="49" charset="-127"/>
+              <a:ea typeface="나눔고딕코딩" panose="020D0009000000000000" pitchFamily="49" charset="-127"/>
+            </a:endParaRPr>
+          </a:p>
+          <a:p>
+            <a:r>
+              <a:rPr lang="ko-KR" altLang="en-US" sz="2000" smtClean="0">
+                <a:latin typeface="나눔고딕코딩" panose="020D0009000000000000" pitchFamily="49" charset="-127"/>
+                <a:ea typeface="나눔고딕코딩" panose="020D0009000000000000" pitchFamily="49" charset="-127"/>
+              </a:rPr>
+              <a:t>특정 객체가 임의의 포인터 역할을 하는 것</a:t>
+            </a:r>
+            <a:r>
+              <a:rPr lang="en-US" altLang="ko-KR" sz="2000" smtClean="0">
+                <a:latin typeface="나눔고딕코딩" panose="020D0009000000000000" pitchFamily="49" charset="-127"/>
+                <a:ea typeface="나눔고딕코딩" panose="020D0009000000000000" pitchFamily="49" charset="-127"/>
+              </a:rPr>
+              <a:t>: </a:t>
+            </a:r>
+            <a:r>
+              <a:rPr lang="ko-KR" altLang="en-US" sz="2000" smtClean="0">
+                <a:latin typeface="나눔고딕코딩" panose="020D0009000000000000" pitchFamily="49" charset="-127"/>
+                <a:ea typeface="나눔고딕코딩" panose="020D0009000000000000" pitchFamily="49" charset="-127"/>
+              </a:rPr>
+              <a:t>스마트 포인터</a:t>
+            </a:r>
+            <a:endParaRPr lang="en-US" altLang="ko-KR" sz="2000" smtClean="0">
+              <a:latin typeface="나눔고딕코딩" panose="020D0009000000000000" pitchFamily="49" charset="-127"/>
+              <a:ea typeface="나눔고딕코딩" panose="020D0009000000000000" pitchFamily="49" charset="-127"/>
+            </a:endParaRPr>
+          </a:p>
+          <a:p>
+            <a:r>
+              <a:rPr lang="ko-KR" altLang="en-US" sz="2000" smtClean="0">
+                <a:latin typeface="나눔고딕코딩" panose="020D0009000000000000" pitchFamily="49" charset="-127"/>
+                <a:ea typeface="나눔고딕코딩" panose="020D0009000000000000" pitchFamily="49" charset="-127"/>
+              </a:rPr>
+              <a:t>스마트 포인터는 진짜 포인터가 아닌 객체이므로 사용자가 객체의 생성</a:t>
+            </a:r>
+            <a:r>
+              <a:rPr lang="en-US" altLang="ko-KR" sz="2000" smtClean="0">
+                <a:latin typeface="나눔고딕코딩" panose="020D0009000000000000" pitchFamily="49" charset="-127"/>
+                <a:ea typeface="나눔고딕코딩" panose="020D0009000000000000" pitchFamily="49" charset="-127"/>
+              </a:rPr>
+              <a:t>/</a:t>
+            </a:r>
+            <a:r>
+              <a:rPr lang="ko-KR" altLang="en-US" sz="2000" smtClean="0">
+                <a:latin typeface="나눔고딕코딩" panose="020D0009000000000000" pitchFamily="49" charset="-127"/>
+                <a:ea typeface="나눔고딕코딩" panose="020D0009000000000000" pitchFamily="49" charset="-127"/>
+              </a:rPr>
+              <a:t>복사</a:t>
+            </a:r>
+            <a:r>
+              <a:rPr lang="en-US" altLang="ko-KR" sz="2000" smtClean="0">
+                <a:latin typeface="나눔고딕코딩" panose="020D0009000000000000" pitchFamily="49" charset="-127"/>
+                <a:ea typeface="나눔고딕코딩" panose="020D0009000000000000" pitchFamily="49" charset="-127"/>
+              </a:rPr>
+              <a:t>/</a:t>
+            </a:r>
+            <a:r>
+              <a:rPr lang="ko-KR" altLang="en-US" sz="2000" smtClean="0">
+                <a:latin typeface="나눔고딕코딩" panose="020D0009000000000000" pitchFamily="49" charset="-127"/>
+                <a:ea typeface="나눔고딕코딩" panose="020D0009000000000000" pitchFamily="49" charset="-127"/>
+              </a:rPr>
+              <a:t>대입</a:t>
+            </a:r>
+            <a:r>
+              <a:rPr lang="en-US" altLang="ko-KR" sz="2000" smtClean="0">
+                <a:latin typeface="나눔고딕코딩" panose="020D0009000000000000" pitchFamily="49" charset="-127"/>
+                <a:ea typeface="나눔고딕코딩" panose="020D0009000000000000" pitchFamily="49" charset="-127"/>
+              </a:rPr>
+              <a:t>/</a:t>
+            </a:r>
+            <a:r>
+              <a:rPr lang="ko-KR" altLang="en-US" sz="2000" smtClean="0">
+                <a:latin typeface="나눔고딕코딩" panose="020D0009000000000000" pitchFamily="49" charset="-127"/>
+                <a:ea typeface="나눔고딕코딩" panose="020D0009000000000000" pitchFamily="49" charset="-127"/>
+              </a:rPr>
+              <a:t>소멸의 과정을</a:t>
+            </a:r>
+            <a:endParaRPr lang="en-US" altLang="ko-KR" sz="2000" smtClean="0">
+              <a:latin typeface="나눔고딕코딩" panose="020D0009000000000000" pitchFamily="49" charset="-127"/>
+              <a:ea typeface="나눔고딕코딩" panose="020D0009000000000000" pitchFamily="49" charset="-127"/>
+            </a:endParaRPr>
+          </a:p>
+          <a:p>
+            <a:r>
+              <a:rPr lang="ko-KR" altLang="en-US" sz="2000" smtClean="0">
+                <a:latin typeface="나눔고딕코딩" panose="020D0009000000000000" pitchFamily="49" charset="-127"/>
+                <a:ea typeface="나눔고딕코딩" panose="020D0009000000000000" pitchFamily="49" charset="-127"/>
+              </a:rPr>
+              <a:t>모두 제어할 수 있다</a:t>
+            </a:r>
+            <a:r>
+              <a:rPr lang="en-US" altLang="ko-KR" sz="2000" smtClean="0">
+                <a:latin typeface="나눔고딕코딩" panose="020D0009000000000000" pitchFamily="49" charset="-127"/>
+                <a:ea typeface="나눔고딕코딩" panose="020D0009000000000000" pitchFamily="49" charset="-127"/>
+              </a:rPr>
+              <a:t>.  </a:t>
+            </a:r>
+            <a:r>
+              <a:rPr lang="ko-KR" altLang="en-US" sz="2000" smtClean="0">
+                <a:latin typeface="나눔고딕코딩" panose="020D0009000000000000" pitchFamily="49" charset="-127"/>
+                <a:ea typeface="나눔고딕코딩" panose="020D0009000000000000" pitchFamily="49" charset="-127"/>
+              </a:rPr>
+              <a:t>예</a:t>
+            </a:r>
+            <a:r>
+              <a:rPr lang="en-US" altLang="ko-KR" sz="2000" smtClean="0">
+                <a:latin typeface="나눔고딕코딩" panose="020D0009000000000000" pitchFamily="49" charset="-127"/>
+                <a:ea typeface="나눔고딕코딩" panose="020D0009000000000000" pitchFamily="49" charset="-127"/>
+              </a:rPr>
+              <a:t>) </a:t>
+            </a:r>
+            <a:r>
+              <a:rPr lang="ko-KR" altLang="en-US" sz="2000" smtClean="0">
+                <a:latin typeface="나눔고딕코딩" panose="020D0009000000000000" pitchFamily="49" charset="-127"/>
+                <a:ea typeface="나눔고딕코딩" panose="020D0009000000000000" pitchFamily="49" charset="-127"/>
+              </a:rPr>
+              <a:t>소멸자를 사용한 메모리 삭제</a:t>
+            </a:r>
+          </a:p>
+        </p:txBody>
+      </p:sp>
+    </p:spTree>
+    <p:extLst>
+      <p:ext uri="{BB962C8B-B14F-4D97-AF65-F5344CB8AC3E}">
+        <p14:creationId xmlns:p14="http://schemas.microsoft.com/office/powerpoint/2010/main" val="212215054"/>
       </p:ext>
     </p:extLst>
   </p:cSld>
